--- a/prez/R for Acuaries.pptx
+++ b/prez/R for Acuaries.pptx
@@ -5,7 +5,7 @@
     <p:sldMasterId id="2147483696" r:id="rId4"/>
   </p:sldMasterIdLst>
   <p:notesMasterIdLst>
-    <p:notesMasterId r:id="rId18"/>
+    <p:notesMasterId r:id="rId17"/>
   </p:notesMasterIdLst>
   <p:sldIdLst>
     <p:sldId id="306" r:id="rId5"/>
@@ -20,7 +20,6 @@
     <p:sldId id="317" r:id="rId14"/>
     <p:sldId id="318" r:id="rId15"/>
     <p:sldId id="319" r:id="rId16"/>
-    <p:sldId id="295" r:id="rId17"/>
   </p:sldIdLst>
   <p:sldSz cx="12192000" cy="6858000"/>
   <p:notesSz cx="6858000" cy="9144000"/>
@@ -12881,822 +12880,6 @@
     <p:extLst>
       <p:ext uri="{BB962C8B-B14F-4D97-AF65-F5344CB8AC3E}">
         <p14:creationId xmlns:p14="http://schemas.microsoft.com/office/powerpoint/2010/main" val="2002459901"/>
-      </p:ext>
-    </p:extLst>
-  </p:cSld>
-  <p:clrMapOvr>
-    <a:masterClrMapping/>
-  </p:clrMapOvr>
-</p:sld>
-</file>
-
-<file path=ppt/slides/slide13.xml><?xml version="1.0" encoding="utf-8"?>
-<p:sld xmlns:a="http://schemas.openxmlformats.org/drawingml/2006/main" xmlns:r="http://schemas.openxmlformats.org/officeDocument/2006/relationships" xmlns:p="http://schemas.openxmlformats.org/presentationml/2006/main">
-  <p:cSld>
-    <p:spTree>
-      <p:nvGrpSpPr>
-        <p:cNvPr id="1" name=""/>
-        <p:cNvGrpSpPr/>
-        <p:nvPr/>
-      </p:nvGrpSpPr>
-      <p:grpSpPr>
-        <a:xfrm>
-          <a:off x="0" y="0"/>
-          <a:ext cx="0" cy="0"/>
-          <a:chOff x="0" y="0"/>
-          <a:chExt cx="0" cy="0"/>
-        </a:xfrm>
-      </p:grpSpPr>
-      <p:sp>
-        <p:nvSpPr>
-          <p:cNvPr id="4" name="Title 3">
-            <a:extLst>
-              <a:ext uri="{FF2B5EF4-FFF2-40B4-BE49-F238E27FC236}">
-                <a16:creationId xmlns:a16="http://schemas.microsoft.com/office/drawing/2014/main" id="{55E27C7C-4B68-4BBC-BF36-8959D8493E4A}"/>
-              </a:ext>
-            </a:extLst>
-          </p:cNvPr>
-          <p:cNvSpPr>
-            <a:spLocks noGrp="1"/>
-          </p:cNvSpPr>
-          <p:nvPr>
-            <p:ph type="title"/>
-          </p:nvPr>
-        </p:nvSpPr>
-        <p:spPr/>
-        <p:txBody>
-          <a:bodyPr>
-            <a:normAutofit/>
-          </a:bodyPr>
-          <a:lstStyle/>
-          <a:p>
-            <a:r>
-              <a:rPr lang="ru-RU" dirty="0"/>
-              <a:t>Результат</a:t>
-            </a:r>
-            <a:endParaRPr lang="en-US" sz="5400" dirty="0"/>
-          </a:p>
-        </p:txBody>
-      </p:sp>
-      <p:graphicFrame>
-        <p:nvGraphicFramePr>
-          <p:cNvPr id="5" name="Table 5">
-            <a:extLst>
-              <a:ext uri="{FF2B5EF4-FFF2-40B4-BE49-F238E27FC236}">
-                <a16:creationId xmlns:a16="http://schemas.microsoft.com/office/drawing/2014/main" id="{709A0DA2-E530-420B-ACE1-7D645AE7D06B}"/>
-              </a:ext>
-            </a:extLst>
-          </p:cNvPr>
-          <p:cNvGraphicFramePr>
-            <a:graphicFrameLocks noGrp="1"/>
-          </p:cNvGraphicFramePr>
-          <p:nvPr>
-            <p:ph idx="1"/>
-            <p:extLst>
-              <p:ext uri="{D42A27DB-BD31-4B8C-83A1-F6EECF244321}">
-                <p14:modId xmlns:p14="http://schemas.microsoft.com/office/powerpoint/2010/main" val="2713588118"/>
-              </p:ext>
-            </p:extLst>
-          </p:nvPr>
-        </p:nvGraphicFramePr>
-        <p:xfrm>
-          <a:off x="1447800" y="2209799"/>
-          <a:ext cx="5852160" cy="3599997"/>
-        </p:xfrm>
-        <a:graphic>
-          <a:graphicData uri="http://schemas.openxmlformats.org/drawingml/2006/table">
-            <a:tbl>
-              <a:tblPr firstRow="1" firstCol="1">
-                <a:tableStyleId>{D7AC3CCA-C797-4891-BE02-D94E43425B78}</a:tableStyleId>
-              </a:tblPr>
-              <a:tblGrid>
-                <a:gridCol w="1950720">
-                  <a:extLst>
-                    <a:ext uri="{9D8B030D-6E8A-4147-A177-3AD203B41FA5}">
-                      <a16:colId xmlns:a16="http://schemas.microsoft.com/office/drawing/2014/main" val="3715394682"/>
-                    </a:ext>
-                  </a:extLst>
-                </a:gridCol>
-                <a:gridCol w="1950720">
-                  <a:extLst>
-                    <a:ext uri="{9D8B030D-6E8A-4147-A177-3AD203B41FA5}">
-                      <a16:colId xmlns:a16="http://schemas.microsoft.com/office/drawing/2014/main" val="1368357775"/>
-                    </a:ext>
-                  </a:extLst>
-                </a:gridCol>
-                <a:gridCol w="1950720">
-                  <a:extLst>
-                    <a:ext uri="{9D8B030D-6E8A-4147-A177-3AD203B41FA5}">
-                      <a16:colId xmlns:a16="http://schemas.microsoft.com/office/drawing/2014/main" val="538162733"/>
-                    </a:ext>
-                  </a:extLst>
-                </a:gridCol>
-              </a:tblGrid>
-              <a:tr h="831434">
-                <a:tc>
-                  <a:txBody>
-                    <a:bodyPr/>
-                    <a:lstStyle/>
-                    <a:p>
-                      <a:r>
-                        <a:rPr lang="en-US" dirty="0">
-                          <a:solidFill>
-                            <a:schemeClr val="tx1"/>
-                          </a:solidFill>
-                        </a:rPr>
-                        <a:t>Class</a:t>
-                      </a:r>
-                    </a:p>
-                  </a:txBody>
-                  <a:tcPr anchor="ctr"/>
-                </a:tc>
-                <a:tc>
-                  <a:txBody>
-                    <a:bodyPr/>
-                    <a:lstStyle/>
-                    <a:p>
-                      <a:pPr algn="ctr"/>
-                      <a:r>
-                        <a:rPr lang="en-US" dirty="0">
-                          <a:solidFill>
-                            <a:schemeClr val="tx1"/>
-                          </a:solidFill>
-                        </a:rPr>
-                        <a:t>UPR</a:t>
-                      </a:r>
-                    </a:p>
-                  </a:txBody>
-                  <a:tcPr anchor="ctr"/>
-                </a:tc>
-                <a:tc>
-                  <a:txBody>
-                    <a:bodyPr/>
-                    <a:lstStyle/>
-                    <a:p>
-                      <a:pPr algn="ctr"/>
-                      <a:r>
-                        <a:rPr lang="en-US" dirty="0">
-                          <a:solidFill>
-                            <a:schemeClr val="tx1"/>
-                          </a:solidFill>
-                        </a:rPr>
-                        <a:t>UPR Re</a:t>
-                      </a:r>
-                    </a:p>
-                  </a:txBody>
-                  <a:tcPr anchor="ctr"/>
-                </a:tc>
-                <a:extLst>
-                  <a:ext uri="{0D108BD9-81ED-4DB2-BD59-A6C34878D82A}">
-                    <a16:rowId xmlns:a16="http://schemas.microsoft.com/office/drawing/2014/main" val="342729846"/>
-                  </a:ext>
-                </a:extLst>
-              </a:tr>
-              <a:tr h="395509">
-                <a:tc>
-                  <a:txBody>
-                    <a:bodyPr/>
-                    <a:lstStyle/>
-                    <a:p>
-                      <a:pPr lvl="1" algn="l" fontAlgn="b"/>
-                      <a:r>
-                        <a:rPr lang="ru-RU" sz="1100" b="0" u="none" strike="noStrike" dirty="0">
-                          <a:solidFill>
-                            <a:schemeClr val="tx1"/>
-                          </a:solidFill>
-                          <a:effectLst/>
-                        </a:rPr>
-                        <a:t>101</a:t>
-                      </a:r>
-                      <a:endParaRPr lang="ru-RU" sz="1100" b="0" i="0" u="none" strike="noStrike" dirty="0">
-                        <a:solidFill>
-                          <a:schemeClr val="tx1"/>
-                        </a:solidFill>
-                        <a:effectLst/>
-                        <a:latin typeface="Calibri" panose="020F0502020204030204" pitchFamily="34" charset="0"/>
-                      </a:endParaRPr>
-                    </a:p>
-                  </a:txBody>
-                  <a:tcPr marL="6350" marR="6350" marT="6350" marB="0" anchor="ctr"/>
-                </a:tc>
-                <a:tc>
-                  <a:txBody>
-                    <a:bodyPr/>
-                    <a:lstStyle/>
-                    <a:p>
-                      <a:pPr algn="l" fontAlgn="b"/>
-                      <a:r>
-                        <a:rPr lang="ru-RU" sz="1100" b="0" u="none" strike="noStrike" dirty="0">
-                          <a:solidFill>
-                            <a:schemeClr val="tx1"/>
-                          </a:solidFill>
-                          <a:effectLst/>
-                        </a:rPr>
-                        <a:t>        644 567 269 113 </a:t>
-                      </a:r>
-                      <a:endParaRPr lang="ru-RU" sz="1100" b="0" i="0" u="none" strike="noStrike" dirty="0">
-                        <a:solidFill>
-                          <a:schemeClr val="tx1"/>
-                        </a:solidFill>
-                        <a:effectLst/>
-                        <a:latin typeface="Calibri" panose="020F0502020204030204" pitchFamily="34" charset="0"/>
-                      </a:endParaRPr>
-                    </a:p>
-                  </a:txBody>
-                  <a:tcPr marL="6350" marR="6350" marT="6350" marB="0" anchor="ctr"/>
-                </a:tc>
-                <a:tc>
-                  <a:txBody>
-                    <a:bodyPr/>
-                    <a:lstStyle/>
-                    <a:p>
-                      <a:pPr algn="l" fontAlgn="b"/>
-                      <a:r>
-                        <a:rPr lang="ru-RU" sz="1100" b="0" u="none" strike="noStrike">
-                          <a:solidFill>
-                            <a:schemeClr val="tx1"/>
-                          </a:solidFill>
-                          <a:effectLst/>
-                        </a:rPr>
-                        <a:t>        64 441 549 598 </a:t>
-                      </a:r>
-                      <a:endParaRPr lang="ru-RU" sz="1100" b="0" i="0" u="none" strike="noStrike">
-                        <a:solidFill>
-                          <a:schemeClr val="tx1"/>
-                        </a:solidFill>
-                        <a:effectLst/>
-                        <a:latin typeface="Calibri" panose="020F0502020204030204" pitchFamily="34" charset="0"/>
-                      </a:endParaRPr>
-                    </a:p>
-                  </a:txBody>
-                  <a:tcPr marL="6350" marR="6350" marT="6350" marB="0" anchor="ctr"/>
-                </a:tc>
-                <a:extLst>
-                  <a:ext uri="{0D108BD9-81ED-4DB2-BD59-A6C34878D82A}">
-                    <a16:rowId xmlns:a16="http://schemas.microsoft.com/office/drawing/2014/main" val="2385059026"/>
-                  </a:ext>
-                </a:extLst>
-              </a:tr>
-              <a:tr h="395509">
-                <a:tc>
-                  <a:txBody>
-                    <a:bodyPr/>
-                    <a:lstStyle/>
-                    <a:p>
-                      <a:pPr lvl="1" algn="l" fontAlgn="b"/>
-                      <a:r>
-                        <a:rPr lang="ru-RU" sz="1100" b="0" u="none" strike="noStrike" dirty="0">
-                          <a:solidFill>
-                            <a:schemeClr val="tx1"/>
-                          </a:solidFill>
-                          <a:effectLst/>
-                        </a:rPr>
-                        <a:t>102</a:t>
-                      </a:r>
-                      <a:endParaRPr lang="ru-RU" sz="1100" b="0" i="0" u="none" strike="noStrike" dirty="0">
-                        <a:solidFill>
-                          <a:schemeClr val="tx1"/>
-                        </a:solidFill>
-                        <a:effectLst/>
-                        <a:latin typeface="Calibri" panose="020F0502020204030204" pitchFamily="34" charset="0"/>
-                      </a:endParaRPr>
-                    </a:p>
-                  </a:txBody>
-                  <a:tcPr marL="6350" marR="6350" marT="6350" marB="0" anchor="ctr"/>
-                </a:tc>
-                <a:tc>
-                  <a:txBody>
-                    <a:bodyPr/>
-                    <a:lstStyle/>
-                    <a:p>
-                      <a:pPr algn="l" fontAlgn="b"/>
-                      <a:r>
-                        <a:rPr lang="ru-RU" sz="1100" b="0" u="none" strike="noStrike" dirty="0">
-                          <a:solidFill>
-                            <a:schemeClr val="tx1"/>
-                          </a:solidFill>
-                          <a:effectLst/>
-                        </a:rPr>
-                        <a:t>        644 584 890 712 </a:t>
-                      </a:r>
-                      <a:endParaRPr lang="ru-RU" sz="1100" b="0" i="0" u="none" strike="noStrike" dirty="0">
-                        <a:solidFill>
-                          <a:schemeClr val="tx1"/>
-                        </a:solidFill>
-                        <a:effectLst/>
-                        <a:latin typeface="Calibri" panose="020F0502020204030204" pitchFamily="34" charset="0"/>
-                      </a:endParaRPr>
-                    </a:p>
-                  </a:txBody>
-                  <a:tcPr marL="6350" marR="6350" marT="6350" marB="0" anchor="ctr"/>
-                </a:tc>
-                <a:tc>
-                  <a:txBody>
-                    <a:bodyPr/>
-                    <a:lstStyle/>
-                    <a:p>
-                      <a:pPr algn="l" fontAlgn="b"/>
-                      <a:r>
-                        <a:rPr lang="ru-RU" sz="1100" b="0" u="none" strike="noStrike">
-                          <a:solidFill>
-                            <a:schemeClr val="tx1"/>
-                          </a:solidFill>
-                          <a:effectLst/>
-                        </a:rPr>
-                        <a:t>        64 397 885 392 </a:t>
-                      </a:r>
-                      <a:endParaRPr lang="ru-RU" sz="1100" b="0" i="0" u="none" strike="noStrike">
-                        <a:solidFill>
-                          <a:schemeClr val="tx1"/>
-                        </a:solidFill>
-                        <a:effectLst/>
-                        <a:latin typeface="Calibri" panose="020F0502020204030204" pitchFamily="34" charset="0"/>
-                      </a:endParaRPr>
-                    </a:p>
-                  </a:txBody>
-                  <a:tcPr marL="6350" marR="6350" marT="6350" marB="0" anchor="ctr"/>
-                </a:tc>
-                <a:extLst>
-                  <a:ext uri="{0D108BD9-81ED-4DB2-BD59-A6C34878D82A}">
-                    <a16:rowId xmlns:a16="http://schemas.microsoft.com/office/drawing/2014/main" val="3783722433"/>
-                  </a:ext>
-                </a:extLst>
-              </a:tr>
-              <a:tr h="395509">
-                <a:tc>
-                  <a:txBody>
-                    <a:bodyPr/>
-                    <a:lstStyle/>
-                    <a:p>
-                      <a:pPr lvl="1" algn="l" fontAlgn="b"/>
-                      <a:r>
-                        <a:rPr lang="ru-RU" sz="1100" b="0" u="none" strike="noStrike" dirty="0">
-                          <a:solidFill>
-                            <a:schemeClr val="tx1"/>
-                          </a:solidFill>
-                          <a:effectLst/>
-                        </a:rPr>
-                        <a:t>301</a:t>
-                      </a:r>
-                      <a:endParaRPr lang="ru-RU" sz="1100" b="0" i="0" u="none" strike="noStrike" dirty="0">
-                        <a:solidFill>
-                          <a:schemeClr val="tx1"/>
-                        </a:solidFill>
-                        <a:effectLst/>
-                        <a:latin typeface="Calibri" panose="020F0502020204030204" pitchFamily="34" charset="0"/>
-                      </a:endParaRPr>
-                    </a:p>
-                  </a:txBody>
-                  <a:tcPr marL="6350" marR="6350" marT="6350" marB="0" anchor="ctr"/>
-                </a:tc>
-                <a:tc>
-                  <a:txBody>
-                    <a:bodyPr/>
-                    <a:lstStyle/>
-                    <a:p>
-                      <a:pPr algn="l" fontAlgn="b"/>
-                      <a:r>
-                        <a:rPr lang="ru-RU" sz="1100" b="0" u="none" strike="noStrike" dirty="0">
-                          <a:solidFill>
-                            <a:schemeClr val="tx1"/>
-                          </a:solidFill>
-                          <a:effectLst/>
-                        </a:rPr>
-                        <a:t>        644 660 068 989 </a:t>
-                      </a:r>
-                      <a:endParaRPr lang="ru-RU" sz="1100" b="0" i="0" u="none" strike="noStrike" dirty="0">
-                        <a:solidFill>
-                          <a:schemeClr val="tx1"/>
-                        </a:solidFill>
-                        <a:effectLst/>
-                        <a:latin typeface="Calibri" panose="020F0502020204030204" pitchFamily="34" charset="0"/>
-                      </a:endParaRPr>
-                    </a:p>
-                  </a:txBody>
-                  <a:tcPr marL="6350" marR="6350" marT="6350" marB="0" anchor="ctr"/>
-                </a:tc>
-                <a:tc>
-                  <a:txBody>
-                    <a:bodyPr/>
-                    <a:lstStyle/>
-                    <a:p>
-                      <a:pPr algn="l" fontAlgn="b"/>
-                      <a:r>
-                        <a:rPr lang="ru-RU" sz="1100" b="0" u="none" strike="noStrike" dirty="0">
-                          <a:solidFill>
-                            <a:schemeClr val="tx1"/>
-                          </a:solidFill>
-                          <a:effectLst/>
-                        </a:rPr>
-                        <a:t>        64 475 503 316 </a:t>
-                      </a:r>
-                      <a:endParaRPr lang="ru-RU" sz="1100" b="0" i="0" u="none" strike="noStrike" dirty="0">
-                        <a:solidFill>
-                          <a:schemeClr val="tx1"/>
-                        </a:solidFill>
-                        <a:effectLst/>
-                        <a:latin typeface="Calibri" panose="020F0502020204030204" pitchFamily="34" charset="0"/>
-                      </a:endParaRPr>
-                    </a:p>
-                  </a:txBody>
-                  <a:tcPr marL="6350" marR="6350" marT="6350" marB="0" anchor="ctr"/>
-                </a:tc>
-                <a:extLst>
-                  <a:ext uri="{0D108BD9-81ED-4DB2-BD59-A6C34878D82A}">
-                    <a16:rowId xmlns:a16="http://schemas.microsoft.com/office/drawing/2014/main" val="1400497281"/>
-                  </a:ext>
-                </a:extLst>
-              </a:tr>
-              <a:tr h="395509">
-                <a:tc>
-                  <a:txBody>
-                    <a:bodyPr/>
-                    <a:lstStyle/>
-                    <a:p>
-                      <a:pPr lvl="1" algn="l" fontAlgn="b"/>
-                      <a:r>
-                        <a:rPr lang="ru-RU" sz="1100" b="0" u="none" strike="noStrike" dirty="0">
-                          <a:solidFill>
-                            <a:schemeClr val="tx1"/>
-                          </a:solidFill>
-                          <a:effectLst/>
-                        </a:rPr>
-                        <a:t>305</a:t>
-                      </a:r>
-                      <a:endParaRPr lang="ru-RU" sz="1100" b="0" i="0" u="none" strike="noStrike" dirty="0">
-                        <a:solidFill>
-                          <a:schemeClr val="tx1"/>
-                        </a:solidFill>
-                        <a:effectLst/>
-                        <a:latin typeface="Calibri" panose="020F0502020204030204" pitchFamily="34" charset="0"/>
-                      </a:endParaRPr>
-                    </a:p>
-                  </a:txBody>
-                  <a:tcPr marL="6350" marR="6350" marT="6350" marB="0" anchor="ctr"/>
-                </a:tc>
-                <a:tc>
-                  <a:txBody>
-                    <a:bodyPr/>
-                    <a:lstStyle/>
-                    <a:p>
-                      <a:pPr algn="l" fontAlgn="b"/>
-                      <a:r>
-                        <a:rPr lang="ru-RU" sz="1100" b="0" u="none" strike="noStrike" dirty="0">
-                          <a:solidFill>
-                            <a:schemeClr val="tx1"/>
-                          </a:solidFill>
-                          <a:effectLst/>
-                        </a:rPr>
-                        <a:t>        644 735 698 412 </a:t>
-                      </a:r>
-                      <a:endParaRPr lang="ru-RU" sz="1100" b="0" i="0" u="none" strike="noStrike" dirty="0">
-                        <a:solidFill>
-                          <a:schemeClr val="tx1"/>
-                        </a:solidFill>
-                        <a:effectLst/>
-                        <a:latin typeface="Calibri" panose="020F0502020204030204" pitchFamily="34" charset="0"/>
-                      </a:endParaRPr>
-                    </a:p>
-                  </a:txBody>
-                  <a:tcPr marL="6350" marR="6350" marT="6350" marB="0" anchor="ctr"/>
-                </a:tc>
-                <a:tc>
-                  <a:txBody>
-                    <a:bodyPr/>
-                    <a:lstStyle/>
-                    <a:p>
-                      <a:pPr algn="l" fontAlgn="b"/>
-                      <a:r>
-                        <a:rPr lang="ru-RU" sz="1100" b="0" u="none" strike="noStrike" dirty="0">
-                          <a:solidFill>
-                            <a:schemeClr val="tx1"/>
-                          </a:solidFill>
-                          <a:effectLst/>
-                        </a:rPr>
-                        <a:t>        64 499 794 613 </a:t>
-                      </a:r>
-                      <a:endParaRPr lang="ru-RU" sz="1100" b="0" i="0" u="none" strike="noStrike" dirty="0">
-                        <a:solidFill>
-                          <a:schemeClr val="tx1"/>
-                        </a:solidFill>
-                        <a:effectLst/>
-                        <a:latin typeface="Calibri" panose="020F0502020204030204" pitchFamily="34" charset="0"/>
-                      </a:endParaRPr>
-                    </a:p>
-                  </a:txBody>
-                  <a:tcPr marL="6350" marR="6350" marT="6350" marB="0" anchor="ctr"/>
-                </a:tc>
-                <a:extLst>
-                  <a:ext uri="{0D108BD9-81ED-4DB2-BD59-A6C34878D82A}">
-                    <a16:rowId xmlns:a16="http://schemas.microsoft.com/office/drawing/2014/main" val="567824203"/>
-                  </a:ext>
-                </a:extLst>
-              </a:tr>
-              <a:tr h="395509">
-                <a:tc>
-                  <a:txBody>
-                    <a:bodyPr/>
-                    <a:lstStyle/>
-                    <a:p>
-                      <a:pPr lvl="1" algn="l" fontAlgn="b"/>
-                      <a:r>
-                        <a:rPr lang="ru-RU" sz="1100" b="0" u="none" strike="noStrike" dirty="0">
-                          <a:solidFill>
-                            <a:schemeClr val="tx1"/>
-                          </a:solidFill>
-                          <a:effectLst/>
-                        </a:rPr>
-                        <a:t>306</a:t>
-                      </a:r>
-                      <a:endParaRPr lang="ru-RU" sz="1100" b="0" i="0" u="none" strike="noStrike" dirty="0">
-                        <a:solidFill>
-                          <a:schemeClr val="tx1"/>
-                        </a:solidFill>
-                        <a:effectLst/>
-                        <a:latin typeface="Calibri" panose="020F0502020204030204" pitchFamily="34" charset="0"/>
-                      </a:endParaRPr>
-                    </a:p>
-                  </a:txBody>
-                  <a:tcPr marL="6350" marR="6350" marT="6350" marB="0" anchor="ctr"/>
-                </a:tc>
-                <a:tc>
-                  <a:txBody>
-                    <a:bodyPr/>
-                    <a:lstStyle/>
-                    <a:p>
-                      <a:pPr algn="l" fontAlgn="b"/>
-                      <a:r>
-                        <a:rPr lang="ru-RU" sz="1100" b="0" u="none" strike="noStrike" dirty="0">
-                          <a:solidFill>
-                            <a:schemeClr val="tx1"/>
-                          </a:solidFill>
-                          <a:effectLst/>
-                        </a:rPr>
-                        <a:t>        644 670 174 269 </a:t>
-                      </a:r>
-                      <a:endParaRPr lang="ru-RU" sz="1100" b="0" i="0" u="none" strike="noStrike" dirty="0">
-                        <a:solidFill>
-                          <a:schemeClr val="tx1"/>
-                        </a:solidFill>
-                        <a:effectLst/>
-                        <a:latin typeface="Calibri" panose="020F0502020204030204" pitchFamily="34" charset="0"/>
-                      </a:endParaRPr>
-                    </a:p>
-                  </a:txBody>
-                  <a:tcPr marL="6350" marR="6350" marT="6350" marB="0" anchor="ctr"/>
-                </a:tc>
-                <a:tc>
-                  <a:txBody>
-                    <a:bodyPr/>
-                    <a:lstStyle/>
-                    <a:p>
-                      <a:pPr algn="l" fontAlgn="b"/>
-                      <a:r>
-                        <a:rPr lang="ru-RU" sz="1100" b="0" u="none" strike="noStrike" dirty="0">
-                          <a:solidFill>
-                            <a:schemeClr val="tx1"/>
-                          </a:solidFill>
-                          <a:effectLst/>
-                        </a:rPr>
-                        <a:t>        64 482 138 654 </a:t>
-                      </a:r>
-                      <a:endParaRPr lang="ru-RU" sz="1100" b="0" i="0" u="none" strike="noStrike" dirty="0">
-                        <a:solidFill>
-                          <a:schemeClr val="tx1"/>
-                        </a:solidFill>
-                        <a:effectLst/>
-                        <a:latin typeface="Calibri" panose="020F0502020204030204" pitchFamily="34" charset="0"/>
-                      </a:endParaRPr>
-                    </a:p>
-                  </a:txBody>
-                  <a:tcPr marL="6350" marR="6350" marT="6350" marB="0" anchor="ctr"/>
-                </a:tc>
-                <a:extLst>
-                  <a:ext uri="{0D108BD9-81ED-4DB2-BD59-A6C34878D82A}">
-                    <a16:rowId xmlns:a16="http://schemas.microsoft.com/office/drawing/2014/main" val="2762164036"/>
-                  </a:ext>
-                </a:extLst>
-              </a:tr>
-              <a:tr h="395509">
-                <a:tc>
-                  <a:txBody>
-                    <a:bodyPr/>
-                    <a:lstStyle/>
-                    <a:p>
-                      <a:pPr lvl="1" algn="l" fontAlgn="b"/>
-                      <a:r>
-                        <a:rPr lang="ru-RU" sz="1100" b="0" u="none" strike="noStrike" dirty="0">
-                          <a:solidFill>
-                            <a:schemeClr val="tx1"/>
-                          </a:solidFill>
-                          <a:effectLst/>
-                        </a:rPr>
-                        <a:t>307</a:t>
-                      </a:r>
-                      <a:endParaRPr lang="ru-RU" sz="1100" b="0" i="0" u="none" strike="noStrike" dirty="0">
-                        <a:solidFill>
-                          <a:schemeClr val="tx1"/>
-                        </a:solidFill>
-                        <a:effectLst/>
-                        <a:latin typeface="Calibri" panose="020F0502020204030204" pitchFamily="34" charset="0"/>
-                      </a:endParaRPr>
-                    </a:p>
-                  </a:txBody>
-                  <a:tcPr marL="6350" marR="6350" marT="6350" marB="0" anchor="ctr"/>
-                </a:tc>
-                <a:tc>
-                  <a:txBody>
-                    <a:bodyPr/>
-                    <a:lstStyle/>
-                    <a:p>
-                      <a:pPr algn="l" fontAlgn="b"/>
-                      <a:r>
-                        <a:rPr lang="ru-RU" sz="1100" b="0" u="none" strike="noStrike" dirty="0">
-                          <a:solidFill>
-                            <a:schemeClr val="tx1"/>
-                          </a:solidFill>
-                          <a:effectLst/>
-                        </a:rPr>
-                        <a:t>        644 765 736 175 </a:t>
-                      </a:r>
-                      <a:endParaRPr lang="ru-RU" sz="1100" b="0" i="0" u="none" strike="noStrike" dirty="0">
-                        <a:solidFill>
-                          <a:schemeClr val="tx1"/>
-                        </a:solidFill>
-                        <a:effectLst/>
-                        <a:latin typeface="Calibri" panose="020F0502020204030204" pitchFamily="34" charset="0"/>
-                      </a:endParaRPr>
-                    </a:p>
-                  </a:txBody>
-                  <a:tcPr marL="6350" marR="6350" marT="6350" marB="0" anchor="ctr"/>
-                </a:tc>
-                <a:tc>
-                  <a:txBody>
-                    <a:bodyPr/>
-                    <a:lstStyle/>
-                    <a:p>
-                      <a:pPr algn="l" fontAlgn="b"/>
-                      <a:r>
-                        <a:rPr lang="ru-RU" sz="1100" b="0" u="none" strike="noStrike" dirty="0">
-                          <a:solidFill>
-                            <a:schemeClr val="tx1"/>
-                          </a:solidFill>
-                          <a:effectLst/>
-                        </a:rPr>
-                        <a:t>        64 471 800 099 </a:t>
-                      </a:r>
-                      <a:endParaRPr lang="ru-RU" sz="1100" b="0" i="0" u="none" strike="noStrike" dirty="0">
-                        <a:solidFill>
-                          <a:schemeClr val="tx1"/>
-                        </a:solidFill>
-                        <a:effectLst/>
-                        <a:latin typeface="Calibri" panose="020F0502020204030204" pitchFamily="34" charset="0"/>
-                      </a:endParaRPr>
-                    </a:p>
-                  </a:txBody>
-                  <a:tcPr marL="6350" marR="6350" marT="6350" marB="0" anchor="ctr"/>
-                </a:tc>
-                <a:extLst>
-                  <a:ext uri="{0D108BD9-81ED-4DB2-BD59-A6C34878D82A}">
-                    <a16:rowId xmlns:a16="http://schemas.microsoft.com/office/drawing/2014/main" val="1982417159"/>
-                  </a:ext>
-                </a:extLst>
-              </a:tr>
-              <a:tr h="395509">
-                <a:tc>
-                  <a:txBody>
-                    <a:bodyPr/>
-                    <a:lstStyle/>
-                    <a:p>
-                      <a:pPr lvl="1" algn="l" fontAlgn="b"/>
-                      <a:r>
-                        <a:rPr lang="ru-RU" sz="1100" b="0" u="none" strike="noStrike" dirty="0">
-                          <a:solidFill>
-                            <a:schemeClr val="tx1"/>
-                          </a:solidFill>
-                          <a:effectLst/>
-                        </a:rPr>
-                        <a:t>308</a:t>
-                      </a:r>
-                      <a:endParaRPr lang="ru-RU" sz="1100" b="0" i="0" u="none" strike="noStrike" dirty="0">
-                        <a:solidFill>
-                          <a:schemeClr val="tx1"/>
-                        </a:solidFill>
-                        <a:effectLst/>
-                        <a:latin typeface="Calibri" panose="020F0502020204030204" pitchFamily="34" charset="0"/>
-                      </a:endParaRPr>
-                    </a:p>
-                  </a:txBody>
-                  <a:tcPr marL="6350" marR="6350" marT="6350" marB="0" anchor="ctr"/>
-                </a:tc>
-                <a:tc>
-                  <a:txBody>
-                    <a:bodyPr/>
-                    <a:lstStyle/>
-                    <a:p>
-                      <a:pPr algn="l" fontAlgn="b"/>
-                      <a:r>
-                        <a:rPr lang="ru-RU" sz="1100" b="0" u="none" strike="noStrike" dirty="0">
-                          <a:solidFill>
-                            <a:schemeClr val="tx1"/>
-                          </a:solidFill>
-                          <a:effectLst/>
-                        </a:rPr>
-                        <a:t>        644 417 066 549 </a:t>
-                      </a:r>
-                      <a:endParaRPr lang="ru-RU" sz="1100" b="0" i="0" u="none" strike="noStrike" dirty="0">
-                        <a:solidFill>
-                          <a:schemeClr val="tx1"/>
-                        </a:solidFill>
-                        <a:effectLst/>
-                        <a:latin typeface="Calibri" panose="020F0502020204030204" pitchFamily="34" charset="0"/>
-                      </a:endParaRPr>
-                    </a:p>
-                  </a:txBody>
-                  <a:tcPr marL="6350" marR="6350" marT="6350" marB="0" anchor="ctr"/>
-                </a:tc>
-                <a:tc>
-                  <a:txBody>
-                    <a:bodyPr/>
-                    <a:lstStyle/>
-                    <a:p>
-                      <a:pPr algn="l" fontAlgn="b"/>
-                      <a:r>
-                        <a:rPr lang="ru-RU" sz="1100" b="0" u="none" strike="noStrike" dirty="0">
-                          <a:solidFill>
-                            <a:schemeClr val="tx1"/>
-                          </a:solidFill>
-                          <a:effectLst/>
-                        </a:rPr>
-                        <a:t>        64 465 443 728 </a:t>
-                      </a:r>
-                      <a:endParaRPr lang="ru-RU" sz="1100" b="0" i="0" u="none" strike="noStrike" dirty="0">
-                        <a:solidFill>
-                          <a:schemeClr val="tx1"/>
-                        </a:solidFill>
-                        <a:effectLst/>
-                        <a:latin typeface="Calibri" panose="020F0502020204030204" pitchFamily="34" charset="0"/>
-                      </a:endParaRPr>
-                    </a:p>
-                  </a:txBody>
-                  <a:tcPr marL="6350" marR="6350" marT="6350" marB="0" anchor="ctr"/>
-                </a:tc>
-                <a:extLst>
-                  <a:ext uri="{0D108BD9-81ED-4DB2-BD59-A6C34878D82A}">
-                    <a16:rowId xmlns:a16="http://schemas.microsoft.com/office/drawing/2014/main" val="2947587009"/>
-                  </a:ext>
-                </a:extLst>
-              </a:tr>
-            </a:tbl>
-          </a:graphicData>
-        </a:graphic>
-      </p:graphicFrame>
-      <p:sp>
-        <p:nvSpPr>
-          <p:cNvPr id="7" name="Slide Number Placeholder 5">
-            <a:extLst>
-              <a:ext uri="{FF2B5EF4-FFF2-40B4-BE49-F238E27FC236}">
-                <a16:creationId xmlns:a16="http://schemas.microsoft.com/office/drawing/2014/main" id="{4ECDE54D-4BD2-4764-A36A-8487DB61E7A6}"/>
-              </a:ext>
-            </a:extLst>
-          </p:cNvPr>
-          <p:cNvSpPr>
-            <a:spLocks noGrp="1"/>
-          </p:cNvSpPr>
-          <p:nvPr>
-            <p:ph type="sldNum" sz="quarter" idx="12"/>
-          </p:nvPr>
-        </p:nvSpPr>
-        <p:spPr>
-          <a:xfrm>
-            <a:off x="8610600" y="6356350"/>
-            <a:ext cx="2743200" cy="365125"/>
-          </a:xfrm>
-        </p:spPr>
-        <p:txBody>
-          <a:bodyPr/>
-          <a:lstStyle/>
-          <a:p>
-            <a:fld id="{D8DA9DAA-006C-4F4B-980E-E3DF019B24E2}" type="slidenum">
-              <a:rPr lang="en-US" b="1" cap="all" spc="100" smtClean="0">
-                <a:solidFill>
-                  <a:schemeClr val="accent2"/>
-                </a:solidFill>
-              </a:rPr>
-              <a:t>13</a:t>
-            </a:fld>
-            <a:endParaRPr lang="en-US" b="1" cap="all" spc="100" dirty="0">
-              <a:solidFill>
-                <a:schemeClr val="accent2"/>
-              </a:solidFill>
-            </a:endParaRPr>
-          </a:p>
-        </p:txBody>
-      </p:sp>
-    </p:spTree>
-    <p:extLst>
-      <p:ext uri="{BB962C8B-B14F-4D97-AF65-F5344CB8AC3E}">
-        <p14:creationId xmlns:p14="http://schemas.microsoft.com/office/powerpoint/2010/main" val="277827655"/>
       </p:ext>
     </p:extLst>
   </p:cSld>

--- a/prez/R for Acuaries.pptx
+++ b/prez/R for Acuaries.pptx
@@ -5,7 +5,7 @@
     <p:sldMasterId id="2147483696" r:id="rId4"/>
   </p:sldMasterIdLst>
   <p:notesMasterIdLst>
-    <p:notesMasterId r:id="rId17"/>
+    <p:notesMasterId r:id="rId18"/>
   </p:notesMasterIdLst>
   <p:sldIdLst>
     <p:sldId id="306" r:id="rId5"/>
@@ -20,6 +20,7 @@
     <p:sldId id="317" r:id="rId14"/>
     <p:sldId id="318" r:id="rId15"/>
     <p:sldId id="319" r:id="rId16"/>
+    <p:sldId id="324" r:id="rId17"/>
   </p:sldIdLst>
   <p:sldSz cx="12192000" cy="6858000"/>
   <p:notesSz cx="6858000" cy="9144000"/>
@@ -230,7 +231,7 @@
           <a:p>
             <a:fld id="{5EA28068-AFBD-4979-B752-9EB6F90B1386}" type="datetimeFigureOut">
               <a:rPr lang="en-US" smtClean="0"/>
-              <a:t>5/27/2021</a:t>
+              <a:t>5/28/2021</a:t>
             </a:fld>
             <a:endParaRPr lang="en-US" dirty="0"/>
           </a:p>
@@ -12880,6 +12881,199 @@
     <p:extLst>
       <p:ext uri="{BB962C8B-B14F-4D97-AF65-F5344CB8AC3E}">
         <p14:creationId xmlns:p14="http://schemas.microsoft.com/office/powerpoint/2010/main" val="2002459901"/>
+      </p:ext>
+    </p:extLst>
+  </p:cSld>
+  <p:clrMapOvr>
+    <a:masterClrMapping/>
+  </p:clrMapOvr>
+</p:sld>
+</file>
+
+<file path=ppt/slides/slide13.xml><?xml version="1.0" encoding="utf-8"?>
+<p:sld xmlns:a="http://schemas.openxmlformats.org/drawingml/2006/main" xmlns:r="http://schemas.openxmlformats.org/officeDocument/2006/relationships" xmlns:p="http://schemas.openxmlformats.org/presentationml/2006/main">
+  <p:cSld>
+    <p:spTree>
+      <p:nvGrpSpPr>
+        <p:cNvPr id="1" name=""/>
+        <p:cNvGrpSpPr/>
+        <p:nvPr/>
+      </p:nvGrpSpPr>
+      <p:grpSpPr>
+        <a:xfrm>
+          <a:off x="0" y="0"/>
+          <a:ext cx="0" cy="0"/>
+          <a:chOff x="0" y="0"/>
+          <a:chExt cx="0" cy="0"/>
+        </a:xfrm>
+      </p:grpSpPr>
+      <p:sp>
+        <p:nvSpPr>
+          <p:cNvPr id="3" name="Title 2">
+            <a:extLst>
+              <a:ext uri="{FF2B5EF4-FFF2-40B4-BE49-F238E27FC236}">
+                <a16:creationId xmlns:a16="http://schemas.microsoft.com/office/drawing/2014/main" id="{1DDBBC93-70DF-4E4E-98E3-08124185AB18}"/>
+              </a:ext>
+            </a:extLst>
+          </p:cNvPr>
+          <p:cNvSpPr>
+            <a:spLocks noGrp="1"/>
+          </p:cNvSpPr>
+          <p:nvPr>
+            <p:ph type="title"/>
+          </p:nvPr>
+        </p:nvSpPr>
+        <p:spPr>
+          <a:xfrm>
+            <a:off x="1363511" y="-33762"/>
+            <a:ext cx="6464808" cy="2276856"/>
+          </a:xfrm>
+        </p:spPr>
+        <p:txBody>
+          <a:bodyPr/>
+          <a:lstStyle/>
+          <a:p>
+            <a:r>
+              <a:rPr lang="ru-RU" dirty="0"/>
+              <a:t>Спасибо</a:t>
+            </a:r>
+            <a:endParaRPr lang="en-US" dirty="0"/>
+          </a:p>
+        </p:txBody>
+      </p:sp>
+      <p:sp>
+        <p:nvSpPr>
+          <p:cNvPr id="4" name="Text Placeholder 3">
+            <a:extLst>
+              <a:ext uri="{FF2B5EF4-FFF2-40B4-BE49-F238E27FC236}">
+                <a16:creationId xmlns:a16="http://schemas.microsoft.com/office/drawing/2014/main" id="{65DE74E9-AA78-46C1-845A-0B72FA8AF35E}"/>
+              </a:ext>
+            </a:extLst>
+          </p:cNvPr>
+          <p:cNvSpPr>
+            <a:spLocks noGrp="1"/>
+          </p:cNvSpPr>
+          <p:nvPr>
+            <p:ph type="body" sz="quarter" idx="13"/>
+          </p:nvPr>
+        </p:nvSpPr>
+        <p:spPr>
+          <a:xfrm>
+            <a:off x="1237956" y="3476479"/>
+            <a:ext cx="6299551" cy="2276856"/>
+          </a:xfrm>
+        </p:spPr>
+        <p:txBody>
+          <a:bodyPr>
+            <a:normAutofit/>
+          </a:bodyPr>
+          <a:lstStyle/>
+          <a:p>
+            <a:r>
+              <a:rPr lang="en-US" sz="2400" dirty="0">
+                <a:hlinkClick r:id="rId2"/>
+              </a:rPr>
+              <a:t>https://github.com/x7895123/R4Acuaries</a:t>
+            </a:r>
+            <a:endParaRPr lang="ru-RU" sz="2400" dirty="0"/>
+          </a:p>
+        </p:txBody>
+      </p:sp>
+      <p:pic>
+        <p:nvPicPr>
+          <p:cNvPr id="27" name="Picture Placeholder 26">
+            <a:extLst>
+              <a:ext uri="{FF2B5EF4-FFF2-40B4-BE49-F238E27FC236}">
+                <a16:creationId xmlns:a16="http://schemas.microsoft.com/office/drawing/2014/main" id="{234E3AB4-5181-427F-B3F5-6F9DFB43CF30}"/>
+              </a:ext>
+            </a:extLst>
+          </p:cNvPr>
+          <p:cNvPicPr>
+            <a:picLocks noGrp="1" noChangeAspect="1"/>
+          </p:cNvPicPr>
+          <p:nvPr>
+            <p:ph type="pic" sz="quarter" idx="14"/>
+          </p:nvPr>
+        </p:nvPicPr>
+        <p:blipFill rotWithShape="1">
+          <a:blip r:embed="rId3"/>
+          <a:srcRect l="-23004" t="-20095" r="-22934" b="-21163"/>
+          <a:stretch/>
+        </p:blipFill>
+        <p:spPr>
+          <a:xfrm>
+            <a:off x="7414022" y="2297723"/>
+            <a:ext cx="4157358" cy="4024063"/>
+          </a:xfrm>
+        </p:spPr>
+      </p:pic>
+      <p:sp>
+        <p:nvSpPr>
+          <p:cNvPr id="8" name="Footer Placeholder 7">
+            <a:extLst>
+              <a:ext uri="{FF2B5EF4-FFF2-40B4-BE49-F238E27FC236}">
+                <a16:creationId xmlns:a16="http://schemas.microsoft.com/office/drawing/2014/main" id="{AEEDFC2F-FF0A-4EC9-A0BB-0AA2B1E6BA4A}"/>
+              </a:ext>
+            </a:extLst>
+          </p:cNvPr>
+          <p:cNvSpPr>
+            <a:spLocks noGrp="1"/>
+          </p:cNvSpPr>
+          <p:nvPr>
+            <p:ph type="ftr" sz="quarter" idx="11"/>
+          </p:nvPr>
+        </p:nvSpPr>
+        <p:spPr/>
+        <p:txBody>
+          <a:bodyPr/>
+          <a:lstStyle/>
+          <a:p>
+            <a:r>
+              <a:rPr lang="en-US" dirty="0"/>
+              <a:t>R </a:t>
+            </a:r>
+            <a:r>
+              <a:rPr lang="ru-RU" dirty="0"/>
+              <a:t>для актуариев</a:t>
+            </a:r>
+            <a:endParaRPr lang="en-US" dirty="0"/>
+          </a:p>
+        </p:txBody>
+      </p:sp>
+      <p:sp>
+        <p:nvSpPr>
+          <p:cNvPr id="9" name="Slide Number Placeholder 8">
+            <a:extLst>
+              <a:ext uri="{FF2B5EF4-FFF2-40B4-BE49-F238E27FC236}">
+                <a16:creationId xmlns:a16="http://schemas.microsoft.com/office/drawing/2014/main" id="{6DCF8D89-56D9-4E2B-9838-07DFB6E9D2BB}"/>
+              </a:ext>
+            </a:extLst>
+          </p:cNvPr>
+          <p:cNvSpPr>
+            <a:spLocks noGrp="1"/>
+          </p:cNvSpPr>
+          <p:nvPr>
+            <p:ph type="sldNum" sz="quarter" idx="12"/>
+          </p:nvPr>
+        </p:nvSpPr>
+        <p:spPr/>
+        <p:txBody>
+          <a:bodyPr/>
+          <a:lstStyle/>
+          <a:p>
+            <a:fld id="{D8DA9DAA-006C-4F4B-980E-E3DF019B24E2}" type="slidenum">
+              <a:rPr lang="en-US" smtClean="0"/>
+              <a:pPr/>
+              <a:t>13</a:t>
+            </a:fld>
+            <a:endParaRPr lang="en-US" dirty="0"/>
+          </a:p>
+        </p:txBody>
+      </p:sp>
+    </p:spTree>
+    <p:extLst>
+      <p:ext uri="{BB962C8B-B14F-4D97-AF65-F5344CB8AC3E}">
+        <p14:creationId xmlns:p14="http://schemas.microsoft.com/office/powerpoint/2010/main" val="3513098331"/>
       </p:ext>
     </p:extLst>
   </p:cSld>
@@ -15722,6 +15916,15 @@
 </file>
 
 <file path=customXml/item2.xml><?xml version="1.0" encoding="utf-8"?>
+<?mso-contentType ?>
+<FormTemplates xmlns="http://schemas.microsoft.com/sharepoint/v3/contenttype/forms">
+  <Display>DocumentLibraryForm</Display>
+  <Edit>DocumentLibraryForm</Edit>
+  <New>DocumentLibraryForm</New>
+</FormTemplates>
+</file>
+
+<file path=customXml/item3.xml><?xml version="1.0" encoding="utf-8"?>
 <ct:contentTypeSchema xmlns:ct="http://schemas.microsoft.com/office/2006/metadata/contentType" xmlns:ma="http://schemas.microsoft.com/office/2006/metadata/properties/metaAttributes" ct:_="" ma:_="" ma:contentTypeName="Document" ma:contentTypeID="0x01010079F111ED35F8CC479449609E8A0923A6" ma:contentTypeVersion="12" ma:contentTypeDescription="Create a new document." ma:contentTypeScope="" ma:versionID="426e97fa315356fffbdcd9876fe988c2">
   <xsd:schema xmlns:xsd="http://www.w3.org/2001/XMLSchema" xmlns:xs="http://www.w3.org/2001/XMLSchema" xmlns:p="http://schemas.microsoft.com/office/2006/metadata/properties" xmlns:ns2="71af3243-3dd4-4a8d-8c0d-dd76da1f02a5" xmlns:ns3="16c05727-aa75-4e4a-9b5f-8a80a1165891" targetNamespace="http://schemas.microsoft.com/office/2006/metadata/properties" ma:root="true" ma:fieldsID="14b8f0def80e6d70ce3def20c90759ae" ns2:_="" ns3:_="">
     <xsd:import namespace="71af3243-3dd4-4a8d-8c0d-dd76da1f02a5"/>
@@ -15942,15 +16145,6 @@
 </ct:contentTypeSchema>
 </file>
 
-<file path=customXml/item3.xml><?xml version="1.0" encoding="utf-8"?>
-<?mso-contentType ?>
-<FormTemplates xmlns="http://schemas.microsoft.com/sharepoint/v3/contenttype/forms">
-  <Display>DocumentLibraryForm</Display>
-  <Edit>DocumentLibraryForm</Edit>
-  <New>DocumentLibraryForm</New>
-</FormTemplates>
-</file>
-
 <file path=customXml/itemProps1.xml><?xml version="1.0" encoding="utf-8"?>
 <ds:datastoreItem xmlns:ds="http://schemas.openxmlformats.org/officeDocument/2006/customXml" ds:itemID="{99919F73-B6C2-4A43-95E2-833EC48925FE}">
   <ds:schemaRefs>
@@ -15962,6 +16156,14 @@
 </file>
 
 <file path=customXml/itemProps2.xml><?xml version="1.0" encoding="utf-8"?>
+<ds:datastoreItem xmlns:ds="http://schemas.openxmlformats.org/officeDocument/2006/customXml" ds:itemID="{3C8E00D1-8EA3-4E42-801D-0253E1EAFC21}">
+  <ds:schemaRefs>
+    <ds:schemaRef ds:uri="http://schemas.microsoft.com/sharepoint/v3/contenttype/forms"/>
+  </ds:schemaRefs>
+</ds:datastoreItem>
+</file>
+
+<file path=customXml/itemProps3.xml><?xml version="1.0" encoding="utf-8"?>
 <ds:datastoreItem xmlns:ds="http://schemas.openxmlformats.org/officeDocument/2006/customXml" ds:itemID="{ABC329F5-30EE-4BF7-AA2A-B837B51416B4}">
   <ds:schemaRefs>
     <ds:schemaRef ds:uri="http://schemas.microsoft.com/office/2006/metadata/contentType"/>
@@ -15978,12 +16180,4 @@
     <ds:schemaRef ds:uri="http://schemas.microsoft.com/internal/obd"/>
   </ds:schemaRefs>
 </ds:datastoreItem>
-</file>
-
-<file path=customXml/itemProps3.xml><?xml version="1.0" encoding="utf-8"?>
-<ds:datastoreItem xmlns:ds="http://schemas.openxmlformats.org/officeDocument/2006/customXml" ds:itemID="{3C8E00D1-8EA3-4E42-801D-0253E1EAFC21}">
-  <ds:schemaRefs>
-    <ds:schemaRef ds:uri="http://schemas.microsoft.com/sharepoint/v3/contenttype/forms"/>
-  </ds:schemaRefs>
-</ds:datastoreItem>
 </file>